--- a/paper/MS Master Seminar Presentation.pptx
+++ b/paper/MS Master Seminar Presentation.pptx
@@ -463,7 +463,7 @@
               <a:pPr>
                 <a:defRPr/>
               </a:pPr>
-              <a:t>9/26/23</a:t>
+              <a:t>2/8/24</a:t>
             </a:fld>
             <a:endParaRPr lang="en-US"/>
           </a:p>
@@ -802,7 +802,7 @@
               <a:pPr>
                 <a:defRPr/>
               </a:pPr>
-              <a:t>9/26/23</a:t>
+              <a:t>2/8/24</a:t>
             </a:fld>
             <a:endParaRPr lang="en-US"/>
           </a:p>
@@ -1065,7 +1065,7 @@
               <a:pPr>
                 <a:defRPr/>
               </a:pPr>
-              <a:t>9/26/23</a:t>
+              <a:t>2/8/24</a:t>
             </a:fld>
             <a:endParaRPr lang="en-US"/>
           </a:p>
@@ -1419,7 +1419,7 @@
               <a:pPr>
                 <a:defRPr/>
               </a:pPr>
-              <a:t>9/26/23</a:t>
+              <a:t>2/8/24</a:t>
             </a:fld>
             <a:endParaRPr lang="en-US"/>
           </a:p>
@@ -1781,7 +1781,7 @@
               <a:pPr>
                 <a:defRPr/>
               </a:pPr>
-              <a:t>9/26/23</a:t>
+              <a:t>2/8/24</a:t>
             </a:fld>
             <a:endParaRPr lang="en-US"/>
           </a:p>
@@ -2170,7 +2170,7 @@
               <a:pPr>
                 <a:defRPr/>
               </a:pPr>
-              <a:t>9/26/23</a:t>
+              <a:t>2/8/24</a:t>
             </a:fld>
             <a:endParaRPr lang="en-US"/>
           </a:p>
@@ -2655,7 +2655,7 @@
               <a:pPr>
                 <a:defRPr/>
               </a:pPr>
-              <a:t>9/26/23</a:t>
+              <a:t>2/8/24</a:t>
             </a:fld>
             <a:endParaRPr lang="en-US"/>
           </a:p>
@@ -2880,7 +2880,7 @@
               <a:pPr>
                 <a:defRPr/>
               </a:pPr>
-              <a:t>9/26/23</a:t>
+              <a:t>2/8/24</a:t>
             </a:fld>
             <a:endParaRPr lang="en-US"/>
           </a:p>
@@ -3106,7 +3106,7 @@
               <a:pPr>
                 <a:defRPr/>
               </a:pPr>
-              <a:t>9/26/23</a:t>
+              <a:t>2/8/24</a:t>
             </a:fld>
             <a:endParaRPr lang="en-US"/>
           </a:p>
@@ -3257,7 +3257,7 @@
               <a:pPr>
                 <a:defRPr/>
               </a:pPr>
-              <a:t>9/26/23</a:t>
+              <a:t>2/8/24</a:t>
             </a:fld>
             <a:endParaRPr lang="en-US"/>
           </a:p>
@@ -3397,7 +3397,7 @@
               <a:pPr>
                 <a:defRPr/>
               </a:pPr>
-              <a:t>9/26/23</a:t>
+              <a:t>2/8/24</a:t>
             </a:fld>
             <a:endParaRPr lang="en-US"/>
           </a:p>
@@ -3633,7 +3633,7 @@
               <a:pPr>
                 <a:defRPr/>
               </a:pPr>
-              <a:t>9/26/23</a:t>
+              <a:t>2/8/24</a:t>
             </a:fld>
             <a:endParaRPr lang="en-US"/>
           </a:p>
@@ -3753,7 +3753,7 @@
               <a:pPr>
                 <a:defRPr/>
               </a:pPr>
-              <a:t>9/26/23</a:t>
+              <a:t>2/8/24</a:t>
             </a:fld>
             <a:endParaRPr lang="en-US"/>
           </a:p>
@@ -3893,7 +3893,7 @@
               <a:pPr>
                 <a:defRPr/>
               </a:pPr>
-              <a:t>9/26/23</a:t>
+              <a:t>2/8/24</a:t>
             </a:fld>
             <a:endParaRPr lang="en-US"/>
           </a:p>
@@ -4176,7 +4176,7 @@
               <a:pPr>
                 <a:defRPr/>
               </a:pPr>
-              <a:t>9/26/23</a:t>
+              <a:t>2/8/24</a:t>
             </a:fld>
             <a:endParaRPr lang="en-US"/>
           </a:p>
@@ -4494,7 +4494,7 @@
               <a:pPr>
                 <a:defRPr/>
               </a:pPr>
-              <a:t>9/26/23</a:t>
+              <a:t>2/8/24</a:t>
             </a:fld>
             <a:endParaRPr lang="en-US"/>
           </a:p>
@@ -4891,7 +4891,7 @@
               <a:pPr>
                 <a:defRPr/>
               </a:pPr>
-              <a:t>9/26/23</a:t>
+              <a:t>2/8/24</a:t>
             </a:fld>
             <a:endParaRPr lang="en-US"/>
           </a:p>
@@ -5060,7 +5060,7 @@
               <a:pPr>
                 <a:defRPr/>
               </a:pPr>
-              <a:t>9/26/23</a:t>
+              <a:t>2/8/24</a:t>
             </a:fld>
             <a:endParaRPr lang="en-US"/>
           </a:p>
@@ -5201,7 +5201,7 @@
               <a:pPr>
                 <a:defRPr/>
               </a:pPr>
-              <a:t>9/26/23</a:t>
+              <a:t>2/8/24</a:t>
             </a:fld>
             <a:endParaRPr lang="en-US"/>
           </a:p>
@@ -5471,7 +5471,7 @@
               <a:pPr>
                 <a:defRPr/>
               </a:pPr>
-              <a:t>9/26/23</a:t>
+              <a:t>2/8/24</a:t>
             </a:fld>
             <a:endParaRPr lang="en-US"/>
           </a:p>
@@ -5800,7 +5800,7 @@
               <a:pPr>
                 <a:defRPr/>
               </a:pPr>
-              <a:t>9/26/23</a:t>
+              <a:t>2/8/24</a:t>
             </a:fld>
             <a:endParaRPr lang="en-US"/>
           </a:p>
@@ -6166,7 +6166,7 @@
               <a:pPr>
                 <a:defRPr/>
               </a:pPr>
-              <a:t>9/26/23</a:t>
+              <a:t>2/8/24</a:t>
             </a:fld>
             <a:endParaRPr lang="en-US"/>
           </a:p>
@@ -6749,7 +6749,7 @@
         </p:nvSpPr>
         <p:spPr bwMode="auto">
           <a:xfrm>
-            <a:off x="1244009" y="1499970"/>
+            <a:off x="1273336" y="1354552"/>
             <a:ext cx="6655982" cy="2279373"/>
           </a:xfrm>
           <a:prstGeom prst="rect">
@@ -6991,7 +6991,7 @@
         </p:nvSpPr>
         <p:spPr bwMode="auto">
           <a:xfrm>
-            <a:off x="624439" y="3902337"/>
+            <a:off x="578072" y="3783582"/>
             <a:ext cx="8296275" cy="927022"/>
           </a:xfrm>
           <a:prstGeom prst="rect">
@@ -7211,17 +7211,13 @@
               <a:buNone/>
             </a:pPr>
             <a:r>
-              <a:rPr lang="en-US" altLang="en-US" sz="1800" b="1" dirty="0">
-                <a:latin typeface="Avenir Book" panose="02000503020000020003" pitchFamily="2" charset="0"/>
-                <a:ea typeface="Apple Color Emoji" pitchFamily="2" charset="0"/>
-                <a:cs typeface="AL BAYAN PLAIN" pitchFamily="2" charset="-78"/>
+              <a:rPr lang="en-US" altLang="en-US" sz="2000" b="1" dirty="0">
+                <a:latin typeface="Times New Roman" panose="02020603050405020304" pitchFamily="18" charset="0"/>
               </a:rPr>
               <a:t>Mohamed Salah Ibrahim Salem</a:t>
             </a:r>
-            <a:endParaRPr lang="it-IT" altLang="en-US" sz="1800" b="1" dirty="0">
-              <a:latin typeface="Avenir Book" panose="02000503020000020003" pitchFamily="2" charset="0"/>
-              <a:ea typeface="Apple Color Emoji" pitchFamily="2" charset="0"/>
-              <a:cs typeface="AL BAYAN PLAIN" pitchFamily="2" charset="-78"/>
+            <a:endParaRPr lang="it-IT" altLang="en-US" sz="2000" b="1" dirty="0">
+              <a:latin typeface="Times New Roman" panose="02020603050405020304" pitchFamily="18" charset="0"/>
             </a:endParaRPr>
           </a:p>
           <a:p>
@@ -7301,7 +7297,7 @@
         </p:nvSpPr>
         <p:spPr>
           <a:xfrm>
-            <a:off x="1086964" y="4979016"/>
+            <a:off x="996736" y="4860261"/>
             <a:ext cx="7209181" cy="758028"/>
           </a:xfrm>
           <a:prstGeom prst="rect">
@@ -7396,7 +7392,7 @@
                 <a:ea typeface="Calibri" panose="020F0502020204030204" pitchFamily="34" charset="0"/>
                 <a:cs typeface="Times New Roman" panose="02020603050405020304" pitchFamily="18" charset="0"/>
               </a:rPr>
-              <a:t>.                                       </a:t>
+              <a:t>.                                    </a:t>
             </a:r>
             <a:r>
               <a:rPr lang="en-GB" altLang="en-US" sz="1800" b="1" dirty="0" err="1">
@@ -7443,7 +7439,7 @@
         <p:spPr>
           <a:xfrm>
             <a:off x="1711841" y="650167"/>
-            <a:ext cx="5778973" cy="695447"/>
+            <a:ext cx="5778973" cy="632930"/>
           </a:xfrm>
           <a:prstGeom prst="rect">
             <a:avLst/>
@@ -7467,7 +7463,7 @@
               <a:buNone/>
             </a:pPr>
             <a:r>
-              <a:rPr lang="en-GB" altLang="en-US" sz="1600" b="1" dirty="0">
+              <a:rPr lang="en-GB" altLang="en-US" sz="1400" b="1" dirty="0">
                 <a:solidFill>
                   <a:srgbClr val="002060"/>
                 </a:solidFill>
@@ -7490,7 +7486,7 @@
               <a:buNone/>
             </a:pPr>
             <a:r>
-              <a:rPr lang="en-GB" altLang="en-US" sz="1600" b="1" dirty="0">
+              <a:rPr lang="en-GB" altLang="en-US" sz="1400" b="1" dirty="0">
                 <a:solidFill>
                   <a:srgbClr val="002060"/>
                 </a:solidFill>
@@ -9910,6 +9906,13 @@
               <a:schemeClr val="lt1"/>
             </a:fontRef>
           </p:style>
+          <p:txBody>
+            <a:bodyPr/>
+            <a:lstStyle/>
+            <a:p>
+              <a:endParaRPr lang="en-SA"/>
+            </a:p>
+          </p:txBody>
         </p:sp>
         <p:pic>
           <p:nvPicPr>
@@ -10246,6 +10249,13 @@
             <a:schemeClr val="lt1"/>
           </a:fontRef>
         </p:style>
+        <p:txBody>
+          <a:bodyPr/>
+          <a:lstStyle/>
+          <a:p>
+            <a:endParaRPr lang="en-SA"/>
+          </a:p>
+        </p:txBody>
       </p:sp>
       <p:grpSp>
         <p:nvGrpSpPr>
@@ -10884,69 +10894,134 @@
             <p:ph idx="1"/>
           </p:nvPr>
         </p:nvSpPr>
-        <p:spPr/>
+        <p:spPr>
+          <a:xfrm>
+            <a:off x="1078946" y="1903726"/>
+            <a:ext cx="6798736" cy="3444997"/>
+          </a:xfrm>
+        </p:spPr>
         <p:txBody>
           <a:bodyPr>
-            <a:normAutofit fontScale="70000" lnSpcReduction="20000"/>
+            <a:noAutofit/>
           </a:bodyPr>
           <a:lstStyle/>
           <a:p>
             <a:r>
-              <a:rPr lang="en-US" dirty="0"/>
+              <a:rPr lang="en-US" sz="2000" dirty="0">
+                <a:solidFill>
+                  <a:schemeClr val="tx1"/>
+                </a:solidFill>
+                <a:latin typeface="Times New Roman" panose="02020603050405020304" pitchFamily="18" charset="0"/>
+                <a:cs typeface="Times New Roman" panose="02020603050405020304" pitchFamily="18" charset="0"/>
+              </a:rPr>
               <a:t>Background </a:t>
             </a:r>
           </a:p>
           <a:p>
             <a:r>
-              <a:rPr lang="en-US" dirty="0"/>
+              <a:rPr lang="en-US" sz="2000" dirty="0">
+                <a:solidFill>
+                  <a:schemeClr val="tx1"/>
+                </a:solidFill>
+                <a:latin typeface="Times New Roman" panose="02020603050405020304" pitchFamily="18" charset="0"/>
+                <a:cs typeface="Times New Roman" panose="02020603050405020304" pitchFamily="18" charset="0"/>
+              </a:rPr>
               <a:t>Problem Definition</a:t>
             </a:r>
           </a:p>
           <a:p>
             <a:r>
-              <a:rPr lang="en-US" dirty="0"/>
+              <a:rPr lang="en-US" sz="2000" dirty="0">
+                <a:solidFill>
+                  <a:schemeClr val="tx1"/>
+                </a:solidFill>
+                <a:latin typeface="Times New Roman" panose="02020603050405020304" pitchFamily="18" charset="0"/>
+                <a:cs typeface="Times New Roman" panose="02020603050405020304" pitchFamily="18" charset="0"/>
+              </a:rPr>
               <a:t>Research Importance </a:t>
             </a:r>
           </a:p>
           <a:p>
             <a:r>
-              <a:rPr lang="en-US" dirty="0"/>
+              <a:rPr lang="en-US" sz="2000" dirty="0">
+                <a:solidFill>
+                  <a:schemeClr val="tx1"/>
+                </a:solidFill>
+                <a:latin typeface="Times New Roman" panose="02020603050405020304" pitchFamily="18" charset="0"/>
+                <a:cs typeface="Times New Roman" panose="02020603050405020304" pitchFamily="18" charset="0"/>
+              </a:rPr>
               <a:t>Pervious Work </a:t>
             </a:r>
           </a:p>
           <a:p>
             <a:r>
-              <a:rPr lang="en-US" dirty="0"/>
+              <a:rPr lang="en-US" sz="2000" dirty="0">
+                <a:solidFill>
+                  <a:schemeClr val="tx1"/>
+                </a:solidFill>
+                <a:latin typeface="Times New Roman" panose="02020603050405020304" pitchFamily="18" charset="0"/>
+                <a:cs typeface="Times New Roman" panose="02020603050405020304" pitchFamily="18" charset="0"/>
+              </a:rPr>
               <a:t>Research Objective </a:t>
             </a:r>
           </a:p>
           <a:p>
             <a:r>
-              <a:rPr lang="en-US" dirty="0"/>
+              <a:rPr lang="en-US" sz="2000" dirty="0">
+                <a:solidFill>
+                  <a:schemeClr val="tx1"/>
+                </a:solidFill>
+                <a:latin typeface="Times New Roman" panose="02020603050405020304" pitchFamily="18" charset="0"/>
+                <a:cs typeface="Times New Roman" panose="02020603050405020304" pitchFamily="18" charset="0"/>
+              </a:rPr>
               <a:t>Research Plan </a:t>
             </a:r>
           </a:p>
           <a:p>
             <a:r>
-              <a:rPr lang="en-US" dirty="0"/>
+              <a:rPr lang="en-US" sz="2000" dirty="0">
+                <a:solidFill>
+                  <a:schemeClr val="tx1"/>
+                </a:solidFill>
+                <a:latin typeface="Times New Roman" panose="02020603050405020304" pitchFamily="18" charset="0"/>
+                <a:cs typeface="Times New Roman" panose="02020603050405020304" pitchFamily="18" charset="0"/>
+              </a:rPr>
               <a:t>Implementation Methods </a:t>
             </a:r>
           </a:p>
           <a:p>
             <a:r>
-              <a:rPr lang="en-US" dirty="0"/>
+              <a:rPr lang="en-US" sz="2000" dirty="0">
+                <a:solidFill>
+                  <a:schemeClr val="tx1"/>
+                </a:solidFill>
+                <a:latin typeface="Times New Roman" panose="02020603050405020304" pitchFamily="18" charset="0"/>
+                <a:cs typeface="Times New Roman" panose="02020603050405020304" pitchFamily="18" charset="0"/>
+              </a:rPr>
               <a:t>Solution Architecture Diagrams</a:t>
             </a:r>
           </a:p>
           <a:p>
             <a:r>
-              <a:rPr lang="en-US" dirty="0"/>
+              <a:rPr lang="en-US" sz="2000" dirty="0">
+                <a:solidFill>
+                  <a:schemeClr val="tx1"/>
+                </a:solidFill>
+                <a:latin typeface="Times New Roman" panose="02020603050405020304" pitchFamily="18" charset="0"/>
+                <a:cs typeface="Times New Roman" panose="02020603050405020304" pitchFamily="18" charset="0"/>
+              </a:rPr>
               <a:t>Research Contribution</a:t>
             </a:r>
           </a:p>
           <a:p>
             <a:r>
-              <a:rPr lang="en-US" dirty="0"/>
+              <a:rPr lang="en-US" sz="2000" dirty="0">
+                <a:solidFill>
+                  <a:schemeClr val="tx1"/>
+                </a:solidFill>
+                <a:latin typeface="Times New Roman" panose="02020603050405020304" pitchFamily="18" charset="0"/>
+                <a:cs typeface="Times New Roman" panose="02020603050405020304" pitchFamily="18" charset="0"/>
+              </a:rPr>
               <a:t>Evaluation</a:t>
             </a:r>
           </a:p>
@@ -11008,7 +11083,7 @@
         <p:spPr>
           <a:xfrm>
             <a:off x="4224759" y="726455"/>
-            <a:ext cx="4178461" cy="5570756"/>
+            <a:ext cx="4178461" cy="5139869"/>
           </a:xfrm>
           <a:prstGeom prst="rect">
             <a:avLst/>
@@ -11059,10 +11134,9 @@
               <a:buChar char="•"/>
             </a:pPr>
             <a:r>
-              <a:rPr lang="en-US" sz="2400" b="1" dirty="0">
-                <a:latin typeface="Avenir Book" panose="02000503020000020003" pitchFamily="2" charset="0"/>
-                <a:ea typeface="Apple Color Emoji" pitchFamily="2" charset="0"/>
-                <a:cs typeface="Al Bayan" pitchFamily="2" charset="-78"/>
+              <a:rPr lang="en-US" sz="2400" dirty="0">
+                <a:latin typeface="Times New Roman" panose="02020603050405020304" pitchFamily="18" charset="0"/>
+                <a:cs typeface="Times New Roman" panose="02020603050405020304" pitchFamily="18" charset="0"/>
               </a:rPr>
               <a:t>The dangerous Driving under the influence of alcohol.</a:t>
             </a:r>
@@ -11072,10 +11146,9 @@
               <a:buFont typeface="Arial" panose="020B0604020202020204" pitchFamily="34" charset="0"/>
               <a:buChar char="•"/>
             </a:pPr>
-            <a:endParaRPr lang="ar-SA" sz="2400" b="1" dirty="0">
-              <a:latin typeface="Avenir Book" panose="02000503020000020003" pitchFamily="2" charset="0"/>
-              <a:ea typeface="Apple Color Emoji" pitchFamily="2" charset="0"/>
-              <a:cs typeface="Al Bayan" pitchFamily="2" charset="-78"/>
+            <a:endParaRPr lang="ar-SA" sz="2400" dirty="0">
+              <a:latin typeface="Times New Roman" panose="02020603050405020304" pitchFamily="18" charset="0"/>
+              <a:cs typeface="Times New Roman" panose="02020603050405020304" pitchFamily="18" charset="0"/>
             </a:endParaRPr>
           </a:p>
           <a:p>
@@ -11084,15 +11157,15 @@
               <a:buChar char="•"/>
             </a:pPr>
             <a:r>
-              <a:rPr lang="en-US" sz="2400" b="1" dirty="0">
-                <a:latin typeface="Avenir Book" panose="02000503020000020003" pitchFamily="2" charset="0"/>
-                <a:cs typeface="Al Bayan" pitchFamily="2" charset="-78"/>
+              <a:rPr lang="en-US" sz="2400" dirty="0">
+                <a:latin typeface="Times New Roman" panose="02020603050405020304" pitchFamily="18" charset="0"/>
+                <a:cs typeface="Times New Roman" panose="02020603050405020304" pitchFamily="18" charset="0"/>
               </a:rPr>
               <a:t>Causing traffic accidents and endangering the lives of drivers and pedestrians</a:t>
             </a:r>
-            <a:endParaRPr lang="ar-SA" sz="2400" b="1" dirty="0">
-              <a:latin typeface="Avenir Book" panose="02000503020000020003" pitchFamily="2" charset="0"/>
-              <a:cs typeface="Al Bayan" pitchFamily="2" charset="-78"/>
+            <a:endParaRPr lang="ar-SA" sz="2400" dirty="0">
+              <a:latin typeface="Times New Roman" panose="02020603050405020304" pitchFamily="18" charset="0"/>
+              <a:cs typeface="Times New Roman" panose="02020603050405020304" pitchFamily="18" charset="0"/>
             </a:endParaRPr>
           </a:p>
           <a:p>
@@ -11100,9 +11173,9 @@
               <a:buFont typeface="Arial" panose="020B0604020202020204" pitchFamily="34" charset="0"/>
               <a:buChar char="•"/>
             </a:pPr>
-            <a:endParaRPr lang="ar-SA" sz="2400" b="1" dirty="0">
-              <a:latin typeface="Avenir Book" panose="02000503020000020003" pitchFamily="2" charset="0"/>
-              <a:cs typeface="Al Bayan" pitchFamily="2" charset="-78"/>
+            <a:endParaRPr lang="ar-SA" sz="2400" dirty="0">
+              <a:latin typeface="Times New Roman" panose="02020603050405020304" pitchFamily="18" charset="0"/>
+              <a:cs typeface="Times New Roman" panose="02020603050405020304" pitchFamily="18" charset="0"/>
             </a:endParaRPr>
           </a:p>
           <a:p>
@@ -11111,29 +11184,29 @@
               <a:buChar char="•"/>
             </a:pPr>
             <a:r>
-              <a:rPr lang="en-US" sz="2400" b="1" dirty="0">
-                <a:latin typeface="Avenir Book" panose="02000503020000020003" pitchFamily="2" charset="0"/>
-                <a:cs typeface="Al Bayan" pitchFamily="2" charset="-78"/>
+              <a:rPr lang="en-US" sz="2400" dirty="0">
+                <a:latin typeface="Times New Roman" panose="02020603050405020304" pitchFamily="18" charset="0"/>
+                <a:cs typeface="Times New Roman" panose="02020603050405020304" pitchFamily="18" charset="0"/>
               </a:rPr>
               <a:t>Difficulty in automatically detecting drivers who consumed alcohol before the accident</a:t>
             </a:r>
             <a:r>
-              <a:rPr lang="ar-SA" sz="2400" b="1" dirty="0">
-                <a:latin typeface="Avenir Book" panose="02000503020000020003" pitchFamily="2" charset="0"/>
-                <a:cs typeface="Al Bayan" pitchFamily="2" charset="-78"/>
+              <a:rPr lang="ar-SA" sz="2400" dirty="0">
+                <a:latin typeface="Times New Roman" panose="02020603050405020304" pitchFamily="18" charset="0"/>
+                <a:cs typeface="Times New Roman" panose="02020603050405020304" pitchFamily="18" charset="0"/>
               </a:rPr>
               <a:t> </a:t>
             </a:r>
             <a:r>
-              <a:rPr lang="en-GB" sz="2400" b="1" dirty="0">
-                <a:latin typeface="Avenir Book" panose="02000503020000020003" pitchFamily="2" charset="0"/>
-                <a:cs typeface="Al Bayan" pitchFamily="2" charset="-78"/>
+              <a:rPr lang="en-GB" sz="2400" dirty="0">
+                <a:latin typeface="Times New Roman" panose="02020603050405020304" pitchFamily="18" charset="0"/>
+                <a:cs typeface="Times New Roman" panose="02020603050405020304" pitchFamily="18" charset="0"/>
               </a:rPr>
               <a:t>.</a:t>
             </a:r>
-            <a:endParaRPr lang="en-US" sz="2400" b="1" dirty="0">
-              <a:latin typeface="Avenir Book" panose="02000503020000020003" pitchFamily="2" charset="0"/>
-              <a:cs typeface="Al Bayan" pitchFamily="2" charset="-78"/>
+            <a:endParaRPr lang="en-US" sz="2400" dirty="0">
+              <a:latin typeface="Times New Roman" panose="02020603050405020304" pitchFamily="18" charset="0"/>
+              <a:cs typeface="Times New Roman" panose="02020603050405020304" pitchFamily="18" charset="0"/>
             </a:endParaRPr>
           </a:p>
         </p:txBody>
